--- a/Customer_Segment_Project/Data Processing Steps.pptx
+++ b/Customer_Segment_Project/Data Processing Steps.pptx
@@ -3399,15 +3399,7 @@
             </a:r>
             <a:r>
               <a:rPr lang="en-US" sz="1600" dirty="0" err="1"/>
-              <a:t>np</a:t>
-            </a:r>
-            <a:r>
-              <a:rPr lang="en-US" sz="1600" err="1"/>
-              <a:t>.</a:t>
-            </a:r>
-            <a:r>
-              <a:rPr lang="en-US" sz="1600"/>
-              <a:t>nan</a:t>
+              <a:t>np.nan</a:t>
             </a:r>
             <a:endParaRPr lang="en-US" sz="1600" dirty="0"/>
           </a:p>
@@ -3477,7 +3469,13 @@
           <a:p>
             <a:r>
               <a:rPr lang="en-US" sz="1800" dirty="0"/>
-              <a:t> </a:t>
+              <a:t> Feature/dimensionality  Reduction </a:t>
+            </a:r>
+          </a:p>
+          <a:p>
+            <a:r>
+              <a:rPr lang="en-US" sz="1800" dirty="0"/>
+              <a:t>Clustering to general population </a:t>
             </a:r>
           </a:p>
           <a:p>
@@ -3510,10 +3508,83 @@
         </p:nvSpPr>
         <p:spPr/>
         <p:txBody>
-          <a:bodyPr/>
-          <a:lstStyle/>
-          <a:p>
-            <a:endParaRPr lang="en-US"/>
+          <a:bodyPr>
+            <a:normAutofit/>
+          </a:bodyPr>
+          <a:lstStyle/>
+          <a:p>
+            <a:r>
+              <a:rPr lang="en-US" sz="1800" dirty="0" err="1"/>
+              <a:t>azdiasCleaned</a:t>
+            </a:r>
+            <a:r>
+              <a:rPr lang="en-US" sz="1800" dirty="0"/>
+              <a:t> has 196 features</a:t>
+            </a:r>
+          </a:p>
+          <a:p>
+            <a:r>
+              <a:rPr lang="en-US" sz="1800" dirty="0"/>
+              <a:t>PCA, either 25 or 10 </a:t>
+            </a:r>
+          </a:p>
+          <a:p>
+            <a:r>
+              <a:rPr lang="en-US" sz="1800" dirty="0"/>
+              <a:t>Kmeans clustering (10) on the PCA </a:t>
+            </a:r>
+          </a:p>
+          <a:p>
+            <a:endParaRPr lang="en-US" sz="1800" dirty="0"/>
+          </a:p>
+          <a:p>
+            <a:r>
+              <a:rPr lang="en-US" sz="1800" dirty="0"/>
+              <a:t>Customer Data</a:t>
+            </a:r>
+          </a:p>
+          <a:p>
+            <a:pPr lvl="1"/>
+            <a:r>
+              <a:rPr lang="en-US" sz="1400" dirty="0"/>
+              <a:t>Clean</a:t>
+            </a:r>
+          </a:p>
+          <a:p>
+            <a:pPr lvl="1"/>
+            <a:r>
+              <a:rPr lang="en-US" sz="1400" dirty="0"/>
+              <a:t>Match columns </a:t>
+            </a:r>
+          </a:p>
+          <a:p>
+            <a:pPr lvl="1"/>
+            <a:r>
+              <a:rPr lang="en-US" sz="1400" dirty="0"/>
+              <a:t>Apply pca </a:t>
+            </a:r>
+            <a:r>
+              <a:rPr lang="en-US" sz="1400" dirty="0" err="1"/>
+              <a:t>fit_transform</a:t>
+            </a:r>
+            <a:r>
+              <a:rPr lang="en-US" sz="1400" dirty="0"/>
+              <a:t> </a:t>
+            </a:r>
+          </a:p>
+          <a:p>
+            <a:pPr lvl="1"/>
+            <a:r>
+              <a:rPr lang="en-US" sz="1400" dirty="0"/>
+              <a:t>Kmeans </a:t>
+            </a:r>
+          </a:p>
+          <a:p>
+            <a:pPr lvl="1"/>
+            <a:r>
+              <a:rPr lang="en-US" sz="1400" dirty="0"/>
+              <a:t> </a:t>
+            </a:r>
           </a:p>
         </p:txBody>
       </p:sp>
